--- a/ReferenceFlowchart.pptx
+++ b/ReferenceFlowchart.pptx
@@ -105,6 +105,11 @@
       </a:defRPr>
     </a:lvl9pPr>
   </p:defaultTextStyle>
+  <p:extLst>
+    <p:ext uri="{EFAFB233-063F-42B5-8137-9DF3F51BA10A}">
+      <p15:sldGuideLst xmlns:p15="http://schemas.microsoft.com/office/powerpoint/2012/main"/>
+    </p:ext>
+  </p:extLst>
 </p:presentation>
 </file>
 
@@ -150,10 +155,9 @@
           </a:lstStyle>
           <a:p>
             <a:r>
-              <a:rPr lang="en-US" smtClean="0"/>
+              <a:rPr lang="en-US"/>
               <a:t>Click to edit Master title style</a:t>
             </a:r>
-            <a:endParaRPr lang="en-US"/>
           </a:p>
         </p:txBody>
       </p:sp>
@@ -215,10 +219,9 @@
           </a:lstStyle>
           <a:p>
             <a:r>
-              <a:rPr lang="en-US" smtClean="0"/>
+              <a:rPr lang="en-US"/>
               <a:t>Click to edit Master subtitle style</a:t>
             </a:r>
-            <a:endParaRPr lang="en-US"/>
           </a:p>
         </p:txBody>
       </p:sp>
@@ -239,7 +242,7 @@
           <a:p>
             <a:fld id="{38D60E0F-B97B-419D-82D6-9C627F4D5592}" type="datetimeFigureOut">
               <a:rPr lang="en-US" smtClean="0"/>
-              <a:t>4/9/2021</a:t>
+              <a:t>4/17/21</a:t>
             </a:fld>
             <a:endParaRPr lang="en-US"/>
           </a:p>
@@ -333,10 +336,9 @@
           <a:lstStyle/>
           <a:p>
             <a:r>
-              <a:rPr lang="en-US" smtClean="0"/>
+              <a:rPr lang="en-US"/>
               <a:t>Click to edit Master title style</a:t>
             </a:r>
-            <a:endParaRPr lang="en-US"/>
           </a:p>
         </p:txBody>
       </p:sp>
@@ -357,38 +359,37 @@
           <a:p>
             <a:pPr lvl="0"/>
             <a:r>
-              <a:rPr lang="en-US" smtClean="0"/>
+              <a:rPr lang="en-US"/>
               <a:t>Edit Master text styles</a:t>
             </a:r>
           </a:p>
           <a:p>
             <a:pPr lvl="1"/>
             <a:r>
-              <a:rPr lang="en-US" smtClean="0"/>
+              <a:rPr lang="en-US"/>
               <a:t>Second level</a:t>
             </a:r>
           </a:p>
           <a:p>
             <a:pPr lvl="2"/>
             <a:r>
-              <a:rPr lang="en-US" smtClean="0"/>
+              <a:rPr lang="en-US"/>
               <a:t>Third level</a:t>
             </a:r>
           </a:p>
           <a:p>
             <a:pPr lvl="3"/>
             <a:r>
-              <a:rPr lang="en-US" smtClean="0"/>
+              <a:rPr lang="en-US"/>
               <a:t>Fourth level</a:t>
             </a:r>
           </a:p>
           <a:p>
             <a:pPr lvl="4"/>
             <a:r>
-              <a:rPr lang="en-US" smtClean="0"/>
+              <a:rPr lang="en-US"/>
               <a:t>Fifth level</a:t>
             </a:r>
-            <a:endParaRPr lang="en-US"/>
           </a:p>
         </p:txBody>
       </p:sp>
@@ -409,7 +410,7 @@
           <a:p>
             <a:fld id="{38D60E0F-B97B-419D-82D6-9C627F4D5592}" type="datetimeFigureOut">
               <a:rPr lang="en-US" smtClean="0"/>
-              <a:t>4/9/2021</a:t>
+              <a:t>4/17/21</a:t>
             </a:fld>
             <a:endParaRPr lang="en-US"/>
           </a:p>
@@ -508,10 +509,9 @@
           <a:lstStyle/>
           <a:p>
             <a:r>
-              <a:rPr lang="en-US" smtClean="0"/>
+              <a:rPr lang="en-US"/>
               <a:t>Click to edit Master title style</a:t>
             </a:r>
-            <a:endParaRPr lang="en-US"/>
           </a:p>
         </p:txBody>
       </p:sp>
@@ -537,38 +537,37 @@
           <a:p>
             <a:pPr lvl="0"/>
             <a:r>
-              <a:rPr lang="en-US" smtClean="0"/>
+              <a:rPr lang="en-US"/>
               <a:t>Edit Master text styles</a:t>
             </a:r>
           </a:p>
           <a:p>
             <a:pPr lvl="1"/>
             <a:r>
-              <a:rPr lang="en-US" smtClean="0"/>
+              <a:rPr lang="en-US"/>
               <a:t>Second level</a:t>
             </a:r>
           </a:p>
           <a:p>
             <a:pPr lvl="2"/>
             <a:r>
-              <a:rPr lang="en-US" smtClean="0"/>
+              <a:rPr lang="en-US"/>
               <a:t>Third level</a:t>
             </a:r>
           </a:p>
           <a:p>
             <a:pPr lvl="3"/>
             <a:r>
-              <a:rPr lang="en-US" smtClean="0"/>
+              <a:rPr lang="en-US"/>
               <a:t>Fourth level</a:t>
             </a:r>
           </a:p>
           <a:p>
             <a:pPr lvl="4"/>
             <a:r>
-              <a:rPr lang="en-US" smtClean="0"/>
+              <a:rPr lang="en-US"/>
               <a:t>Fifth level</a:t>
             </a:r>
-            <a:endParaRPr lang="en-US"/>
           </a:p>
         </p:txBody>
       </p:sp>
@@ -589,7 +588,7 @@
           <a:p>
             <a:fld id="{38D60E0F-B97B-419D-82D6-9C627F4D5592}" type="datetimeFigureOut">
               <a:rPr lang="en-US" smtClean="0"/>
-              <a:t>4/9/2021</a:t>
+              <a:t>4/17/21</a:t>
             </a:fld>
             <a:endParaRPr lang="en-US"/>
           </a:p>
@@ -683,10 +682,9 @@
           <a:lstStyle/>
           <a:p>
             <a:r>
-              <a:rPr lang="en-US" smtClean="0"/>
+              <a:rPr lang="en-US"/>
               <a:t>Click to edit Master title style</a:t>
             </a:r>
-            <a:endParaRPr lang="en-US"/>
           </a:p>
         </p:txBody>
       </p:sp>
@@ -707,38 +705,37 @@
           <a:p>
             <a:pPr lvl="0"/>
             <a:r>
-              <a:rPr lang="en-US" smtClean="0"/>
+              <a:rPr lang="en-US"/>
               <a:t>Edit Master text styles</a:t>
             </a:r>
           </a:p>
           <a:p>
             <a:pPr lvl="1"/>
             <a:r>
-              <a:rPr lang="en-US" smtClean="0"/>
+              <a:rPr lang="en-US"/>
               <a:t>Second level</a:t>
             </a:r>
           </a:p>
           <a:p>
             <a:pPr lvl="2"/>
             <a:r>
-              <a:rPr lang="en-US" smtClean="0"/>
+              <a:rPr lang="en-US"/>
               <a:t>Third level</a:t>
             </a:r>
           </a:p>
           <a:p>
             <a:pPr lvl="3"/>
             <a:r>
-              <a:rPr lang="en-US" smtClean="0"/>
+              <a:rPr lang="en-US"/>
               <a:t>Fourth level</a:t>
             </a:r>
           </a:p>
           <a:p>
             <a:pPr lvl="4"/>
             <a:r>
-              <a:rPr lang="en-US" smtClean="0"/>
+              <a:rPr lang="en-US"/>
               <a:t>Fifth level</a:t>
             </a:r>
-            <a:endParaRPr lang="en-US"/>
           </a:p>
         </p:txBody>
       </p:sp>
@@ -759,7 +756,7 @@
           <a:p>
             <a:fld id="{38D60E0F-B97B-419D-82D6-9C627F4D5592}" type="datetimeFigureOut">
               <a:rPr lang="en-US" smtClean="0"/>
-              <a:t>4/9/2021</a:t>
+              <a:t>4/17/21</a:t>
             </a:fld>
             <a:endParaRPr lang="en-US"/>
           </a:p>
@@ -862,10 +859,9 @@
           </a:lstStyle>
           <a:p>
             <a:r>
-              <a:rPr lang="en-US" smtClean="0"/>
+              <a:rPr lang="en-US"/>
               <a:t>Click to edit Master title style</a:t>
             </a:r>
-            <a:endParaRPr lang="en-US"/>
           </a:p>
         </p:txBody>
       </p:sp>
@@ -982,7 +978,7 @@
           <a:p>
             <a:pPr lvl="0"/>
             <a:r>
-              <a:rPr lang="en-US" smtClean="0"/>
+              <a:rPr lang="en-US"/>
               <a:t>Edit Master text styles</a:t>
             </a:r>
           </a:p>
@@ -1005,7 +1001,7 @@
           <a:p>
             <a:fld id="{38D60E0F-B97B-419D-82D6-9C627F4D5592}" type="datetimeFigureOut">
               <a:rPr lang="en-US" smtClean="0"/>
-              <a:t>4/9/2021</a:t>
+              <a:t>4/17/21</a:t>
             </a:fld>
             <a:endParaRPr lang="en-US"/>
           </a:p>
@@ -1099,10 +1095,9 @@
           <a:lstStyle/>
           <a:p>
             <a:r>
-              <a:rPr lang="en-US" smtClean="0"/>
+              <a:rPr lang="en-US"/>
               <a:t>Click to edit Master title style</a:t>
             </a:r>
-            <a:endParaRPr lang="en-US"/>
           </a:p>
         </p:txBody>
       </p:sp>
@@ -1128,38 +1123,37 @@
           <a:p>
             <a:pPr lvl="0"/>
             <a:r>
-              <a:rPr lang="en-US" smtClean="0"/>
+              <a:rPr lang="en-US"/>
               <a:t>Edit Master text styles</a:t>
             </a:r>
           </a:p>
           <a:p>
             <a:pPr lvl="1"/>
             <a:r>
-              <a:rPr lang="en-US" smtClean="0"/>
+              <a:rPr lang="en-US"/>
               <a:t>Second level</a:t>
             </a:r>
           </a:p>
           <a:p>
             <a:pPr lvl="2"/>
             <a:r>
-              <a:rPr lang="en-US" smtClean="0"/>
+              <a:rPr lang="en-US"/>
               <a:t>Third level</a:t>
             </a:r>
           </a:p>
           <a:p>
             <a:pPr lvl="3"/>
             <a:r>
-              <a:rPr lang="en-US" smtClean="0"/>
+              <a:rPr lang="en-US"/>
               <a:t>Fourth level</a:t>
             </a:r>
           </a:p>
           <a:p>
             <a:pPr lvl="4"/>
             <a:r>
-              <a:rPr lang="en-US" smtClean="0"/>
+              <a:rPr lang="en-US"/>
               <a:t>Fifth level</a:t>
             </a:r>
-            <a:endParaRPr lang="en-US"/>
           </a:p>
         </p:txBody>
       </p:sp>
@@ -1185,38 +1179,37 @@
           <a:p>
             <a:pPr lvl="0"/>
             <a:r>
-              <a:rPr lang="en-US" smtClean="0"/>
+              <a:rPr lang="en-US"/>
               <a:t>Edit Master text styles</a:t>
             </a:r>
           </a:p>
           <a:p>
             <a:pPr lvl="1"/>
             <a:r>
-              <a:rPr lang="en-US" smtClean="0"/>
+              <a:rPr lang="en-US"/>
               <a:t>Second level</a:t>
             </a:r>
           </a:p>
           <a:p>
             <a:pPr lvl="2"/>
             <a:r>
-              <a:rPr lang="en-US" smtClean="0"/>
+              <a:rPr lang="en-US"/>
               <a:t>Third level</a:t>
             </a:r>
           </a:p>
           <a:p>
             <a:pPr lvl="3"/>
             <a:r>
-              <a:rPr lang="en-US" smtClean="0"/>
+              <a:rPr lang="en-US"/>
               <a:t>Fourth level</a:t>
             </a:r>
           </a:p>
           <a:p>
             <a:pPr lvl="4"/>
             <a:r>
-              <a:rPr lang="en-US" smtClean="0"/>
+              <a:rPr lang="en-US"/>
               <a:t>Fifth level</a:t>
             </a:r>
-            <a:endParaRPr lang="en-US"/>
           </a:p>
         </p:txBody>
       </p:sp>
@@ -1237,7 +1230,7 @@
           <a:p>
             <a:fld id="{38D60E0F-B97B-419D-82D6-9C627F4D5592}" type="datetimeFigureOut">
               <a:rPr lang="en-US" smtClean="0"/>
-              <a:t>4/9/2021</a:t>
+              <a:t>4/17/21</a:t>
             </a:fld>
             <a:endParaRPr lang="en-US"/>
           </a:p>
@@ -1336,10 +1329,9 @@
           <a:lstStyle/>
           <a:p>
             <a:r>
-              <a:rPr lang="en-US" smtClean="0"/>
+              <a:rPr lang="en-US"/>
               <a:t>Click to edit Master title style</a:t>
             </a:r>
-            <a:endParaRPr lang="en-US"/>
           </a:p>
         </p:txBody>
       </p:sp>
@@ -1402,7 +1394,7 @@
           <a:p>
             <a:pPr lvl="0"/>
             <a:r>
-              <a:rPr lang="en-US" smtClean="0"/>
+              <a:rPr lang="en-US"/>
               <a:t>Edit Master text styles</a:t>
             </a:r>
           </a:p>
@@ -1430,38 +1422,37 @@
           <a:p>
             <a:pPr lvl="0"/>
             <a:r>
-              <a:rPr lang="en-US" smtClean="0"/>
+              <a:rPr lang="en-US"/>
               <a:t>Edit Master text styles</a:t>
             </a:r>
           </a:p>
           <a:p>
             <a:pPr lvl="1"/>
             <a:r>
-              <a:rPr lang="en-US" smtClean="0"/>
+              <a:rPr lang="en-US"/>
               <a:t>Second level</a:t>
             </a:r>
           </a:p>
           <a:p>
             <a:pPr lvl="2"/>
             <a:r>
-              <a:rPr lang="en-US" smtClean="0"/>
+              <a:rPr lang="en-US"/>
               <a:t>Third level</a:t>
             </a:r>
           </a:p>
           <a:p>
             <a:pPr lvl="3"/>
             <a:r>
-              <a:rPr lang="en-US" smtClean="0"/>
+              <a:rPr lang="en-US"/>
               <a:t>Fourth level</a:t>
             </a:r>
           </a:p>
           <a:p>
             <a:pPr lvl="4"/>
             <a:r>
-              <a:rPr lang="en-US" smtClean="0"/>
+              <a:rPr lang="en-US"/>
               <a:t>Fifth level</a:t>
             </a:r>
-            <a:endParaRPr lang="en-US"/>
           </a:p>
         </p:txBody>
       </p:sp>
@@ -1524,7 +1515,7 @@
           <a:p>
             <a:pPr lvl="0"/>
             <a:r>
-              <a:rPr lang="en-US" smtClean="0"/>
+              <a:rPr lang="en-US"/>
               <a:t>Edit Master text styles</a:t>
             </a:r>
           </a:p>
@@ -1552,38 +1543,37 @@
           <a:p>
             <a:pPr lvl="0"/>
             <a:r>
-              <a:rPr lang="en-US" smtClean="0"/>
+              <a:rPr lang="en-US"/>
               <a:t>Edit Master text styles</a:t>
             </a:r>
           </a:p>
           <a:p>
             <a:pPr lvl="1"/>
             <a:r>
-              <a:rPr lang="en-US" smtClean="0"/>
+              <a:rPr lang="en-US"/>
               <a:t>Second level</a:t>
             </a:r>
           </a:p>
           <a:p>
             <a:pPr lvl="2"/>
             <a:r>
-              <a:rPr lang="en-US" smtClean="0"/>
+              <a:rPr lang="en-US"/>
               <a:t>Third level</a:t>
             </a:r>
           </a:p>
           <a:p>
             <a:pPr lvl="3"/>
             <a:r>
-              <a:rPr lang="en-US" smtClean="0"/>
+              <a:rPr lang="en-US"/>
               <a:t>Fourth level</a:t>
             </a:r>
           </a:p>
           <a:p>
             <a:pPr lvl="4"/>
             <a:r>
-              <a:rPr lang="en-US" smtClean="0"/>
+              <a:rPr lang="en-US"/>
               <a:t>Fifth level</a:t>
             </a:r>
-            <a:endParaRPr lang="en-US"/>
           </a:p>
         </p:txBody>
       </p:sp>
@@ -1604,7 +1594,7 @@
           <a:p>
             <a:fld id="{38D60E0F-B97B-419D-82D6-9C627F4D5592}" type="datetimeFigureOut">
               <a:rPr lang="en-US" smtClean="0"/>
-              <a:t>4/9/2021</a:t>
+              <a:t>4/17/21</a:t>
             </a:fld>
             <a:endParaRPr lang="en-US"/>
           </a:p>
@@ -1698,10 +1688,9 @@
           <a:lstStyle/>
           <a:p>
             <a:r>
-              <a:rPr lang="en-US" smtClean="0"/>
+              <a:rPr lang="en-US"/>
               <a:t>Click to edit Master title style</a:t>
             </a:r>
-            <a:endParaRPr lang="en-US"/>
           </a:p>
         </p:txBody>
       </p:sp>
@@ -1722,7 +1711,7 @@
           <a:p>
             <a:fld id="{38D60E0F-B97B-419D-82D6-9C627F4D5592}" type="datetimeFigureOut">
               <a:rPr lang="en-US" smtClean="0"/>
-              <a:t>4/9/2021</a:t>
+              <a:t>4/17/21</a:t>
             </a:fld>
             <a:endParaRPr lang="en-US"/>
           </a:p>
@@ -1817,7 +1806,7 @@
           <a:p>
             <a:fld id="{38D60E0F-B97B-419D-82D6-9C627F4D5592}" type="datetimeFigureOut">
               <a:rPr lang="en-US" smtClean="0"/>
-              <a:t>4/9/2021</a:t>
+              <a:t>4/17/21</a:t>
             </a:fld>
             <a:endParaRPr lang="en-US"/>
           </a:p>
@@ -1920,10 +1909,9 @@
           </a:lstStyle>
           <a:p>
             <a:r>
-              <a:rPr lang="en-US" smtClean="0"/>
+              <a:rPr lang="en-US"/>
               <a:t>Click to edit Master title style</a:t>
             </a:r>
-            <a:endParaRPr lang="en-US"/>
           </a:p>
         </p:txBody>
       </p:sp>
@@ -1977,38 +1965,37 @@
           <a:p>
             <a:pPr lvl="0"/>
             <a:r>
-              <a:rPr lang="en-US" smtClean="0"/>
+              <a:rPr lang="en-US"/>
               <a:t>Edit Master text styles</a:t>
             </a:r>
           </a:p>
           <a:p>
             <a:pPr lvl="1"/>
             <a:r>
-              <a:rPr lang="en-US" smtClean="0"/>
+              <a:rPr lang="en-US"/>
               <a:t>Second level</a:t>
             </a:r>
           </a:p>
           <a:p>
             <a:pPr lvl="2"/>
             <a:r>
-              <a:rPr lang="en-US" smtClean="0"/>
+              <a:rPr lang="en-US"/>
               <a:t>Third level</a:t>
             </a:r>
           </a:p>
           <a:p>
             <a:pPr lvl="3"/>
             <a:r>
-              <a:rPr lang="en-US" smtClean="0"/>
+              <a:rPr lang="en-US"/>
               <a:t>Fourth level</a:t>
             </a:r>
           </a:p>
           <a:p>
             <a:pPr lvl="4"/>
             <a:r>
-              <a:rPr lang="en-US" smtClean="0"/>
+              <a:rPr lang="en-US"/>
               <a:t>Fifth level</a:t>
             </a:r>
-            <a:endParaRPr lang="en-US"/>
           </a:p>
         </p:txBody>
       </p:sp>
@@ -2071,7 +2058,7 @@
           <a:p>
             <a:pPr lvl="0"/>
             <a:r>
-              <a:rPr lang="en-US" smtClean="0"/>
+              <a:rPr lang="en-US"/>
               <a:t>Edit Master text styles</a:t>
             </a:r>
           </a:p>
@@ -2094,7 +2081,7 @@
           <a:p>
             <a:fld id="{38D60E0F-B97B-419D-82D6-9C627F4D5592}" type="datetimeFigureOut">
               <a:rPr lang="en-US" smtClean="0"/>
-              <a:t>4/9/2021</a:t>
+              <a:t>4/17/21</a:t>
             </a:fld>
             <a:endParaRPr lang="en-US"/>
           </a:p>
@@ -2197,10 +2184,9 @@
           </a:lstStyle>
           <a:p>
             <a:r>
-              <a:rPr lang="en-US" smtClean="0"/>
+              <a:rPr lang="en-US"/>
               <a:t>Click to edit Master title style</a:t>
             </a:r>
-            <a:endParaRPr lang="en-US"/>
           </a:p>
         </p:txBody>
       </p:sp>
@@ -2324,7 +2310,7 @@
           <a:p>
             <a:pPr lvl="0"/>
             <a:r>
-              <a:rPr lang="en-US" smtClean="0"/>
+              <a:rPr lang="en-US"/>
               <a:t>Edit Master text styles</a:t>
             </a:r>
           </a:p>
@@ -2347,7 +2333,7 @@
           <a:p>
             <a:fld id="{38D60E0F-B97B-419D-82D6-9C627F4D5592}" type="datetimeFigureOut">
               <a:rPr lang="en-US" smtClean="0"/>
-              <a:t>4/9/2021</a:t>
+              <a:t>4/17/21</a:t>
             </a:fld>
             <a:endParaRPr lang="en-US"/>
           </a:p>
@@ -2456,10 +2442,9 @@
           <a:lstStyle/>
           <a:p>
             <a:r>
-              <a:rPr lang="en-US" smtClean="0"/>
+              <a:rPr lang="en-US"/>
               <a:t>Click to edit Master title style</a:t>
             </a:r>
-            <a:endParaRPr lang="en-US"/>
           </a:p>
         </p:txBody>
       </p:sp>
@@ -2490,38 +2475,37 @@
           <a:p>
             <a:pPr lvl="0"/>
             <a:r>
-              <a:rPr lang="en-US" smtClean="0"/>
+              <a:rPr lang="en-US"/>
               <a:t>Edit Master text styles</a:t>
             </a:r>
           </a:p>
           <a:p>
             <a:pPr lvl="1"/>
             <a:r>
-              <a:rPr lang="en-US" smtClean="0"/>
+              <a:rPr lang="en-US"/>
               <a:t>Second level</a:t>
             </a:r>
           </a:p>
           <a:p>
             <a:pPr lvl="2"/>
             <a:r>
-              <a:rPr lang="en-US" smtClean="0"/>
+              <a:rPr lang="en-US"/>
               <a:t>Third level</a:t>
             </a:r>
           </a:p>
           <a:p>
             <a:pPr lvl="3"/>
             <a:r>
-              <a:rPr lang="en-US" smtClean="0"/>
+              <a:rPr lang="en-US"/>
               <a:t>Fourth level</a:t>
             </a:r>
           </a:p>
           <a:p>
             <a:pPr lvl="4"/>
             <a:r>
-              <a:rPr lang="en-US" smtClean="0"/>
+              <a:rPr lang="en-US"/>
               <a:t>Fifth level</a:t>
             </a:r>
-            <a:endParaRPr lang="en-US"/>
           </a:p>
         </p:txBody>
       </p:sp>
@@ -2560,7 +2544,7 @@
           <a:p>
             <a:fld id="{38D60E0F-B97B-419D-82D6-9C627F4D5592}" type="datetimeFigureOut">
               <a:rPr lang="en-US" smtClean="0"/>
-              <a:t>4/9/2021</a:t>
+              <a:t>4/17/21</a:t>
             </a:fld>
             <a:endParaRPr lang="en-US"/>
           </a:p>
@@ -2982,6 +2966,13 @@
           <a:solidFill>
             <a:schemeClr val="accent2"/>
           </a:solidFill>
+          <a:ln w="76200">
+            <a:solidFill>
+              <a:schemeClr val="accent6">
+                <a:lumMod val="75000"/>
+              </a:schemeClr>
+            </a:solidFill>
+          </a:ln>
         </p:spPr>
         <p:style>
           <a:lnRef idx="2">
@@ -3005,10 +2996,9 @@
           <a:p>
             <a:pPr algn="ctr"/>
             <a:r>
-              <a:rPr lang="en-US" dirty="0" smtClean="0"/>
+              <a:rPr lang="en-US" dirty="0"/>
               <a:t>1.User Query String</a:t>
             </a:r>
-            <a:endParaRPr lang="en-US" dirty="0"/>
           </a:p>
         </p:txBody>
       </p:sp>
@@ -3016,6 +3006,7 @@
         <p:nvCxnSpPr>
           <p:cNvPr id="8" name="Straight Arrow Connector 7"/>
           <p:cNvCxnSpPr>
+            <a:cxnSpLocks/>
             <a:stCxn id="4" idx="2"/>
             <a:endCxn id="10" idx="0"/>
           </p:cNvCxnSpPr>
@@ -3063,8 +3054,15 @@
             <a:avLst/>
           </a:prstGeom>
           <a:solidFill>
-            <a:schemeClr val="accent2"/>
+            <a:schemeClr val="accent1"/>
           </a:solidFill>
+          <a:ln w="76200">
+            <a:solidFill>
+              <a:schemeClr val="accent6">
+                <a:lumMod val="75000"/>
+              </a:schemeClr>
+            </a:solidFill>
+          </a:ln>
         </p:spPr>
         <p:style>
           <a:lnRef idx="2">
@@ -3088,17 +3086,9 @@
           <a:p>
             <a:pPr algn="ctr"/>
             <a:r>
-              <a:rPr lang="en-US" sz="1600" dirty="0" smtClean="0"/>
-              <a:t>2a. Have user select relevant topics</a:t>
-            </a:r>
-          </a:p>
-          <a:p>
-            <a:pPr algn="ctr"/>
-            <a:r>
-              <a:rPr lang="en-US" sz="1600" dirty="0" smtClean="0"/>
-              <a:t>(provide suggested topics TBD)</a:t>
-            </a:r>
-            <a:endParaRPr lang="en-US" sz="1600" dirty="0"/>
+              <a:rPr lang="en-US" sz="1600" dirty="0"/>
+              <a:t>2a. Map user query to LDA model  </a:t>
+            </a:r>
           </a:p>
         </p:txBody>
       </p:sp>
@@ -3149,6 +3139,14 @@
           <a:prstGeom prst="rect">
             <a:avLst/>
           </a:prstGeom>
+          <a:ln w="76200">
+            <a:solidFill>
+              <a:schemeClr val="accent6">
+                <a:lumMod val="75000"/>
+              </a:schemeClr>
+            </a:solidFill>
+            <a:prstDash val="sysDash"/>
+          </a:ln>
         </p:spPr>
         <p:style>
           <a:lnRef idx="2">
@@ -3172,18 +3170,17 @@
           <a:p>
             <a:pPr algn="ctr"/>
             <a:r>
-              <a:rPr lang="en-US" dirty="0" smtClean="0"/>
+              <a:rPr lang="en-US" dirty="0"/>
               <a:t>3a. Search Relevant Papers by matching topic model of input query to papers from </a:t>
             </a:r>
             <a:r>
-              <a:rPr lang="en-US" dirty="0" err="1" smtClean="0"/>
+              <a:rPr lang="en-US" dirty="0" err="1"/>
               <a:t>BioPython</a:t>
             </a:r>
             <a:r>
-              <a:rPr lang="en-US" dirty="0" smtClean="0"/>
+              <a:rPr lang="en-US" dirty="0"/>
               <a:t> </a:t>
             </a:r>
-            <a:endParaRPr lang="en-US" dirty="0"/>
           </a:p>
         </p:txBody>
       </p:sp>
@@ -3237,6 +3234,13 @@
           <a:solidFill>
             <a:schemeClr val="accent1"/>
           </a:solidFill>
+          <a:ln w="76200">
+            <a:solidFill>
+              <a:schemeClr val="accent6">
+                <a:lumMod val="75000"/>
+              </a:schemeClr>
+            </a:solidFill>
+          </a:ln>
         </p:spPr>
         <p:style>
           <a:lnRef idx="2">
@@ -3260,10 +3264,9 @@
           <a:p>
             <a:pPr algn="ctr"/>
             <a:r>
-              <a:rPr lang="en-US" dirty="0" smtClean="0"/>
+              <a:rPr lang="en-US" dirty="0"/>
               <a:t>2b. Search for Papers using Query String</a:t>
             </a:r>
-            <a:endParaRPr lang="en-US" dirty="0"/>
           </a:p>
         </p:txBody>
       </p:sp>
@@ -3287,6 +3290,14 @@
               <a:lumOff val="60000"/>
             </a:schemeClr>
           </a:solidFill>
+          <a:ln w="76200">
+            <a:solidFill>
+              <a:schemeClr val="accent6">
+                <a:lumMod val="75000"/>
+              </a:schemeClr>
+            </a:solidFill>
+            <a:prstDash val="sysDash"/>
+          </a:ln>
         </p:spPr>
         <p:style>
           <a:lnRef idx="2">
@@ -3310,10 +3321,9 @@
           <a:p>
             <a:pPr algn="ctr"/>
             <a:r>
-              <a:rPr lang="en-US" dirty="0" smtClean="0"/>
+              <a:rPr lang="en-US" dirty="0"/>
               <a:t>Model</a:t>
             </a:r>
-            <a:endParaRPr lang="en-US" dirty="0"/>
           </a:p>
         </p:txBody>
       </p:sp>
@@ -3366,6 +3376,13 @@
           <a:prstGeom prst="rect">
             <a:avLst/>
           </a:prstGeom>
+          <a:ln w="76200">
+            <a:solidFill>
+              <a:schemeClr val="accent6">
+                <a:lumMod val="75000"/>
+              </a:schemeClr>
+            </a:solidFill>
+          </a:ln>
         </p:spPr>
         <p:style>
           <a:lnRef idx="2">
@@ -3389,10 +3406,9 @@
           <a:p>
             <a:pPr algn="ctr"/>
             <a:r>
-              <a:rPr lang="en-US" sz="1600" dirty="0" smtClean="0"/>
+              <a:rPr lang="en-US" sz="1600" dirty="0"/>
               <a:t>3b. Develop Topic Distributions of Papers</a:t>
             </a:r>
-            <a:endParaRPr lang="en-US" sz="1600" dirty="0"/>
           </a:p>
         </p:txBody>
       </p:sp>
@@ -3503,7 +3519,7 @@
           <a:p>
             <a:pPr algn="ctr"/>
             <a:r>
-              <a:rPr lang="en-US" dirty="0" err="1" smtClean="0"/>
+              <a:rPr lang="en-US" dirty="0" err="1"/>
               <a:t>Biopython</a:t>
             </a:r>
             <a:endParaRPr lang="en-US" dirty="0"/>
@@ -3646,19 +3662,19 @@
           <a:p>
             <a:pPr algn="ctr"/>
             <a:r>
-              <a:rPr lang="en-US" dirty="0" smtClean="0"/>
+              <a:rPr lang="en-US" dirty="0"/>
               <a:t>4. Mine Papers for </a:t>
             </a:r>
             <a:r>
-              <a:rPr lang="en-US" dirty="0" err="1" smtClean="0"/>
+              <a:rPr lang="en-US" dirty="0" err="1"/>
               <a:t>Syn</a:t>
             </a:r>
             <a:r>
-              <a:rPr lang="en-US" dirty="0" smtClean="0"/>
+              <a:rPr lang="en-US" dirty="0"/>
               <a:t> Bio Parts and </a:t>
             </a:r>
             <a:r>
-              <a:rPr lang="en-US" dirty="0" err="1" smtClean="0"/>
+              <a:rPr lang="en-US" dirty="0" err="1"/>
               <a:t>Dispay</a:t>
             </a:r>
             <a:endParaRPr lang="en-US" dirty="0"/>
@@ -3803,11 +3819,11 @@
           <a:p>
             <a:pPr algn="ctr"/>
             <a:r>
-              <a:rPr lang="en-US" dirty="0" smtClean="0"/>
+              <a:rPr lang="en-US" dirty="0"/>
               <a:t>5. Recommend Sequences from </a:t>
             </a:r>
             <a:r>
-              <a:rPr lang="en-US" dirty="0" err="1" smtClean="0"/>
+              <a:rPr lang="en-US" dirty="0" err="1"/>
               <a:t>GenBank</a:t>
             </a:r>
             <a:endParaRPr lang="en-US" dirty="0"/>
@@ -4068,18 +4084,21 @@
       </p:sp>
       <p:sp>
         <p:nvSpPr>
-          <p:cNvPr id="100" name="Rectangle 99"/>
+          <p:cNvPr id="108" name="Rectangle 107"/>
           <p:cNvSpPr/>
           <p:nvPr/>
         </p:nvSpPr>
         <p:spPr>
           <a:xfrm>
-            <a:off x="81017" y="2676697"/>
-            <a:ext cx="1258113" cy="853681"/>
+            <a:off x="11080864" y="111499"/>
+            <a:ext cx="1031053" cy="715437"/>
           </a:xfrm>
           <a:prstGeom prst="rect">
             <a:avLst/>
           </a:prstGeom>
+          <a:solidFill>
+            <a:schemeClr val="accent2"/>
+          </a:solidFill>
         </p:spPr>
         <p:style>
           <a:lnRef idx="2">
@@ -4103,30 +4122,26 @@
           <a:p>
             <a:pPr algn="ctr"/>
             <a:r>
-              <a:rPr lang="en-US" sz="1200" dirty="0" smtClean="0"/>
-              <a:t>6. Adjust weights for recommended topics</a:t>
-            </a:r>
-            <a:endParaRPr lang="en-US" sz="1200" dirty="0"/>
-          </a:p>
-        </p:txBody>
-      </p:sp>
-      <p:sp>
-        <p:nvSpPr>
-          <p:cNvPr id="108" name="Rectangle 107"/>
+              <a:rPr lang="en-US" dirty="0"/>
+              <a:t>User Input</a:t>
+            </a:r>
+          </a:p>
+        </p:txBody>
+      </p:sp>
+      <p:sp>
+        <p:nvSpPr>
+          <p:cNvPr id="109" name="Rectangle 108"/>
           <p:cNvSpPr/>
           <p:nvPr/>
         </p:nvSpPr>
         <p:spPr>
           <a:xfrm>
-            <a:off x="11080864" y="111499"/>
-            <a:ext cx="1031053" cy="715437"/>
+            <a:off x="11080865" y="870940"/>
+            <a:ext cx="1031052" cy="675228"/>
           </a:xfrm>
           <a:prstGeom prst="rect">
             <a:avLst/>
           </a:prstGeom>
-          <a:solidFill>
-            <a:schemeClr val="accent2"/>
-          </a:solidFill>
         </p:spPr>
         <p:style>
           <a:lnRef idx="2">
@@ -4150,54 +4165,9 @@
           <a:p>
             <a:pPr algn="ctr"/>
             <a:r>
-              <a:rPr lang="en-US" dirty="0" smtClean="0"/>
-              <a:t>User Input</a:t>
-            </a:r>
-            <a:endParaRPr lang="en-US" dirty="0"/>
-          </a:p>
-        </p:txBody>
-      </p:sp>
-      <p:sp>
-        <p:nvSpPr>
-          <p:cNvPr id="109" name="Rectangle 108"/>
-          <p:cNvSpPr/>
-          <p:nvPr/>
-        </p:nvSpPr>
-        <p:spPr>
-          <a:xfrm>
-            <a:off x="11080865" y="870940"/>
-            <a:ext cx="1031052" cy="675228"/>
-          </a:xfrm>
-          <a:prstGeom prst="rect">
-            <a:avLst/>
-          </a:prstGeom>
-        </p:spPr>
-        <p:style>
-          <a:lnRef idx="2">
-            <a:schemeClr val="accent1">
-              <a:shade val="50000"/>
-            </a:schemeClr>
-          </a:lnRef>
-          <a:fillRef idx="1">
-            <a:schemeClr val="accent1"/>
-          </a:fillRef>
-          <a:effectRef idx="0">
-            <a:schemeClr val="accent1"/>
-          </a:effectRef>
-          <a:fontRef idx="minor">
-            <a:schemeClr val="lt1"/>
-          </a:fontRef>
-        </p:style>
-        <p:txBody>
-          <a:bodyPr rtlCol="0" anchor="ctr"/>
-          <a:lstStyle/>
-          <a:p>
-            <a:pPr algn="ctr"/>
-            <a:r>
-              <a:rPr lang="en-US" dirty="0" smtClean="0"/>
+              <a:rPr lang="en-US" dirty="0"/>
               <a:t>Function</a:t>
             </a:r>
-            <a:endParaRPr lang="en-US" dirty="0"/>
           </a:p>
         </p:txBody>
       </p:sp>
@@ -4244,7 +4214,7 @@
           <a:p>
             <a:pPr algn="ctr"/>
             <a:r>
-              <a:rPr lang="en-US" sz="1600" dirty="0" smtClean="0"/>
+              <a:rPr lang="en-US" sz="1600" dirty="0"/>
               <a:t>External Resource</a:t>
             </a:r>
             <a:endParaRPr lang="en-US" dirty="0"/>
@@ -4294,10 +4264,9 @@
           <a:p>
             <a:pPr algn="ctr"/>
             <a:r>
-              <a:rPr lang="en-US" sz="1600" dirty="0" smtClean="0"/>
+              <a:rPr lang="en-US" sz="1600" dirty="0"/>
               <a:t>Internal Resource</a:t>
             </a:r>
-            <a:endParaRPr lang="en-US" sz="1600" dirty="0"/>
           </a:p>
         </p:txBody>
       </p:sp>
@@ -4324,10 +4293,9 @@
           <a:lstStyle/>
           <a:p>
             <a:r>
-              <a:rPr lang="en-US" dirty="0" smtClean="0"/>
+              <a:rPr lang="en-US" dirty="0"/>
               <a:t>Key:</a:t>
             </a:r>
-            <a:endParaRPr lang="en-US" dirty="0"/>
           </a:p>
         </p:txBody>
       </p:sp>
@@ -4377,10 +4345,9 @@
           <a:lstStyle/>
           <a:p>
             <a:r>
-              <a:rPr lang="en-US" dirty="0" smtClean="0"/>
-              <a:t>Model</a:t>
-            </a:r>
-            <a:endParaRPr lang="en-US" dirty="0"/>
+              <a:rPr lang="en-US" dirty="0"/>
+              <a:t>Model (Latent Dirichlet Allocation)</a:t>
+            </a:r>
           </a:p>
         </p:txBody>
       </p:sp>
@@ -4421,10 +4388,9 @@
           <a:p>
             <a:pPr algn="ctr"/>
             <a:r>
-              <a:rPr lang="en-US" dirty="0" smtClean="0"/>
+              <a:rPr lang="en-US" dirty="0"/>
               <a:t>Topic Modeling &amp; PCA</a:t>
             </a:r>
-            <a:endParaRPr lang="en-US" dirty="0"/>
           </a:p>
         </p:txBody>
       </p:sp>
@@ -4465,18 +4431,17 @@
           <a:p>
             <a:pPr algn="ctr"/>
             <a:r>
-              <a:rPr lang="en-US" dirty="0" smtClean="0"/>
+              <a:rPr lang="en-US" dirty="0"/>
               <a:t>Important Body of Papers by experimental parameters (citations, </a:t>
             </a:r>
             <a:r>
-              <a:rPr lang="en-US" dirty="0" err="1" smtClean="0"/>
+              <a:rPr lang="en-US" dirty="0" err="1"/>
               <a:t>etc</a:t>
             </a:r>
             <a:r>
-              <a:rPr lang="en-US" dirty="0" smtClean="0"/>
+              <a:rPr lang="en-US" dirty="0"/>
               <a:t> …)</a:t>
             </a:r>
-            <a:endParaRPr lang="en-US" dirty="0"/>
           </a:p>
         </p:txBody>
       </p:sp>
@@ -4517,10 +4482,9 @@
           <a:p>
             <a:pPr algn="ctr"/>
             <a:r>
-              <a:rPr lang="en-US" dirty="0" smtClean="0"/>
+              <a:rPr lang="en-US" dirty="0"/>
               <a:t>Topics</a:t>
             </a:r>
-            <a:endParaRPr lang="en-US" dirty="0"/>
           </a:p>
         </p:txBody>
       </p:sp>
@@ -4668,10 +4632,9 @@
           <a:p>
             <a:pPr algn="ctr"/>
             <a:r>
-              <a:rPr lang="en-US" dirty="0" smtClean="0"/>
+              <a:rPr lang="en-US" dirty="0"/>
               <a:t>Automate Topic Distribution on an input paper</a:t>
             </a:r>
-            <a:endParaRPr lang="en-US" dirty="0"/>
           </a:p>
         </p:txBody>
       </p:sp>

--- a/ReferenceFlowchart.pptx
+++ b/ReferenceFlowchart.pptx
@@ -4299,6 +4299,96 @@
           </a:p>
         </p:txBody>
       </p:sp>
+      <p:sp>
+        <p:nvSpPr>
+          <p:cNvPr id="3" name="TextBox 2">
+            <a:extLst>
+              <a:ext uri="{FF2B5EF4-FFF2-40B4-BE49-F238E27FC236}">
+                <a16:creationId xmlns:a16="http://schemas.microsoft.com/office/drawing/2014/main" id="{D2761720-0469-CA46-9169-45A75BA30286}"/>
+              </a:ext>
+            </a:extLst>
+          </p:cNvPr>
+          <p:cNvSpPr txBox="1"/>
+          <p:nvPr/>
+        </p:nvSpPr>
+        <p:spPr>
+          <a:xfrm>
+            <a:off x="8169965" y="681537"/>
+            <a:ext cx="2384157" cy="646331"/>
+          </a:xfrm>
+          <a:prstGeom prst="rect">
+            <a:avLst/>
+          </a:prstGeom>
+          <a:noFill/>
+        </p:spPr>
+        <p:txBody>
+          <a:bodyPr wrap="square" rtlCol="0">
+            <a:spAutoFit/>
+          </a:bodyPr>
+          <a:lstStyle/>
+          <a:p>
+            <a:r>
+              <a:rPr lang="en-US" dirty="0"/>
+              <a:t>Nikhil and Cullen: </a:t>
+            </a:r>
+          </a:p>
+          <a:p>
+            <a:pPr marL="285750" indent="-285750">
+              <a:buFont typeface="Arial" panose="020B0604020202020204" pitchFamily="34" charset="0"/>
+              <a:buChar char="•"/>
+            </a:pPr>
+            <a:r>
+              <a:rPr lang="en-US" dirty="0"/>
+              <a:t>Model, 3, 4, 5</a:t>
+            </a:r>
+          </a:p>
+        </p:txBody>
+      </p:sp>
+      <p:sp>
+        <p:nvSpPr>
+          <p:cNvPr id="31" name="TextBox 30">
+            <a:extLst>
+              <a:ext uri="{FF2B5EF4-FFF2-40B4-BE49-F238E27FC236}">
+                <a16:creationId xmlns:a16="http://schemas.microsoft.com/office/drawing/2014/main" id="{80B60880-8FF1-FE49-80D1-E41BF6164065}"/>
+              </a:ext>
+            </a:extLst>
+          </p:cNvPr>
+          <p:cNvSpPr txBox="1"/>
+          <p:nvPr/>
+        </p:nvSpPr>
+        <p:spPr>
+          <a:xfrm>
+            <a:off x="8169964" y="1392862"/>
+            <a:ext cx="2768545" cy="923330"/>
+          </a:xfrm>
+          <a:prstGeom prst="rect">
+            <a:avLst/>
+          </a:prstGeom>
+          <a:noFill/>
+        </p:spPr>
+        <p:txBody>
+          <a:bodyPr wrap="square" rtlCol="0">
+            <a:spAutoFit/>
+          </a:bodyPr>
+          <a:lstStyle/>
+          <a:p>
+            <a:r>
+              <a:rPr lang="en-US" dirty="0"/>
+              <a:t>Josh and Ryan: </a:t>
+            </a:r>
+          </a:p>
+          <a:p>
+            <a:pPr marL="285750" indent="-285750">
+              <a:buFont typeface="Arial" panose="020B0604020202020204" pitchFamily="34" charset="0"/>
+              <a:buChar char="•"/>
+            </a:pPr>
+            <a:r>
+              <a:rPr lang="en-US" dirty="0"/>
+              <a:t>GUI and paperwork/presentation</a:t>
+            </a:r>
+          </a:p>
+        </p:txBody>
+      </p:sp>
     </p:spTree>
     <p:extLst>
       <p:ext uri="{BB962C8B-B14F-4D97-AF65-F5344CB8AC3E}">
